--- a/산출물_프로젝트_근태 관리/일정관리/개발계획서_인포젠 근태관리 시스템 구축_20201104.pptx
+++ b/산출물_프로젝트_근태 관리/일정관리/개발계획서_인포젠 근태관리 시스템 구축_20201104.pptx
@@ -304,7 +304,7 @@
             <a:fld id="{9774E4A5-B86E-4E93-8C14-6B3C109862C2}" type="datetimeFigureOut">
               <a:rPr lang="ko-KR" altLang="en-US" smtClean="0"/>
               <a:pPr/>
-              <a:t>2020-11-05</a:t>
+              <a:t>2020-11-13</a:t>
             </a:fld>
             <a:endParaRPr lang="ko-KR" altLang="en-US"/>
           </a:p>
@@ -471,7 +471,7 @@
             <a:fld id="{3F394226-9DCA-47B7-9997-5026E61A8369}" type="datetimeFigureOut">
               <a:rPr lang="ko-KR" altLang="en-US" smtClean="0"/>
               <a:pPr/>
-              <a:t>2020-11-05</a:t>
+              <a:t>2020-11-13</a:t>
             </a:fld>
             <a:endParaRPr lang="ko-KR" altLang="en-US"/>
           </a:p>
@@ -4567,7 +4567,7 @@
             <a:fld id="{C8108B19-D1BA-4494-A066-6EF0339ED7FD}" type="datetimeFigureOut">
               <a:rPr lang="ko-KR" altLang="en-US" smtClean="0"/>
               <a:pPr/>
-              <a:t>2020-11-05</a:t>
+              <a:t>2020-11-13</a:t>
             </a:fld>
             <a:endParaRPr lang="ko-KR" altLang="en-US"/>
           </a:p>
@@ -11166,49 +11166,49 @@
                 <a:gridCol w="1166916">
                   <a:extLst>
                     <a:ext uri="{9D8B030D-6E8A-4147-A177-3AD203B41FA5}">
-                      <a16:colId xmlns:a16="http://schemas.microsoft.com/office/drawing/2014/main" xmlns="" val="20000"/>
+                      <a16:colId xmlns="" xmlns:a16="http://schemas.microsoft.com/office/drawing/2014/main" val="20000"/>
                     </a:ext>
                   </a:extLst>
                 </a:gridCol>
                 <a:gridCol w="1166917">
                   <a:extLst>
                     <a:ext uri="{9D8B030D-6E8A-4147-A177-3AD203B41FA5}">
-                      <a16:colId xmlns:a16="http://schemas.microsoft.com/office/drawing/2014/main" xmlns="" val="20001"/>
+                      <a16:colId xmlns="" xmlns:a16="http://schemas.microsoft.com/office/drawing/2014/main" val="20001"/>
                     </a:ext>
                   </a:extLst>
                 </a:gridCol>
                 <a:gridCol w="1166917">
                   <a:extLst>
                     <a:ext uri="{9D8B030D-6E8A-4147-A177-3AD203B41FA5}">
-                      <a16:colId xmlns:a16="http://schemas.microsoft.com/office/drawing/2014/main" xmlns="" val="20002"/>
+                      <a16:colId xmlns="" xmlns:a16="http://schemas.microsoft.com/office/drawing/2014/main" val="20002"/>
                     </a:ext>
                   </a:extLst>
                 </a:gridCol>
                 <a:gridCol w="1000214">
                   <a:extLst>
                     <a:ext uri="{9D8B030D-6E8A-4147-A177-3AD203B41FA5}">
-                      <a16:colId xmlns:a16="http://schemas.microsoft.com/office/drawing/2014/main" xmlns="" val="20003"/>
+                      <a16:colId xmlns="" xmlns:a16="http://schemas.microsoft.com/office/drawing/2014/main" val="20003"/>
                     </a:ext>
                   </a:extLst>
                 </a:gridCol>
                 <a:gridCol w="2167131">
                   <a:extLst>
                     <a:ext uri="{9D8B030D-6E8A-4147-A177-3AD203B41FA5}">
-                      <a16:colId xmlns:a16="http://schemas.microsoft.com/office/drawing/2014/main" xmlns="" val="20004"/>
+                      <a16:colId xmlns="" xmlns:a16="http://schemas.microsoft.com/office/drawing/2014/main" val="20004"/>
                     </a:ext>
                   </a:extLst>
                 </a:gridCol>
                 <a:gridCol w="1083565">
                   <a:extLst>
                     <a:ext uri="{9D8B030D-6E8A-4147-A177-3AD203B41FA5}">
-                      <a16:colId xmlns:a16="http://schemas.microsoft.com/office/drawing/2014/main" xmlns="" val="20005"/>
+                      <a16:colId xmlns="" xmlns:a16="http://schemas.microsoft.com/office/drawing/2014/main" val="20005"/>
                     </a:ext>
                   </a:extLst>
                 </a:gridCol>
                 <a:gridCol w="1500321">
                   <a:extLst>
                     <a:ext uri="{9D8B030D-6E8A-4147-A177-3AD203B41FA5}">
-                      <a16:colId xmlns:a16="http://schemas.microsoft.com/office/drawing/2014/main" xmlns="" val="20007"/>
+                      <a16:colId xmlns="" xmlns:a16="http://schemas.microsoft.com/office/drawing/2014/main" val="20007"/>
                     </a:ext>
                   </a:extLst>
                 </a:gridCol>
@@ -11603,7 +11603,7 @@
                 </a:tc>
                 <a:extLst>
                   <a:ext uri="{0D108BD9-81ED-4DB2-BD59-A6C34878D82A}">
-                    <a16:rowId xmlns:a16="http://schemas.microsoft.com/office/drawing/2014/main" xmlns="" val="10000"/>
+                    <a16:rowId xmlns="" xmlns:a16="http://schemas.microsoft.com/office/drawing/2014/main" val="10000"/>
                   </a:ext>
                 </a:extLst>
               </a:tr>
@@ -12074,7 +12074,7 @@
                 </a:tc>
                 <a:extLst>
                   <a:ext uri="{0D108BD9-81ED-4DB2-BD59-A6C34878D82A}">
-                    <a16:rowId xmlns:a16="http://schemas.microsoft.com/office/drawing/2014/main" xmlns="" val="10001"/>
+                    <a16:rowId xmlns="" xmlns:a16="http://schemas.microsoft.com/office/drawing/2014/main" val="10001"/>
                   </a:ext>
                 </a:extLst>
               </a:tr>
@@ -12502,7 +12502,7 @@
                 </a:tc>
                 <a:extLst>
                   <a:ext uri="{0D108BD9-81ED-4DB2-BD59-A6C34878D82A}">
-                    <a16:rowId xmlns:a16="http://schemas.microsoft.com/office/drawing/2014/main" xmlns="" val="10002"/>
+                    <a16:rowId xmlns="" xmlns:a16="http://schemas.microsoft.com/office/drawing/2014/main" val="10002"/>
                   </a:ext>
                 </a:extLst>
               </a:tr>
@@ -12946,7 +12946,7 @@
                 </a:tc>
                 <a:extLst>
                   <a:ext uri="{0D108BD9-81ED-4DB2-BD59-A6C34878D82A}">
-                    <a16:rowId xmlns:a16="http://schemas.microsoft.com/office/drawing/2014/main" xmlns="" val="10003"/>
+                    <a16:rowId xmlns="" xmlns:a16="http://schemas.microsoft.com/office/drawing/2014/main" val="10003"/>
                   </a:ext>
                 </a:extLst>
               </a:tr>
@@ -13378,7 +13378,7 @@
                 </a:tc>
                 <a:extLst>
                   <a:ext uri="{0D108BD9-81ED-4DB2-BD59-A6C34878D82A}">
-                    <a16:rowId xmlns:a16="http://schemas.microsoft.com/office/drawing/2014/main" xmlns="" val="10004"/>
+                    <a16:rowId xmlns="" xmlns:a16="http://schemas.microsoft.com/office/drawing/2014/main" val="10004"/>
                   </a:ext>
                 </a:extLst>
               </a:tr>
@@ -13828,7 +13828,7 @@
                 </a:tc>
                 <a:extLst>
                   <a:ext uri="{0D108BD9-81ED-4DB2-BD59-A6C34878D82A}">
-                    <a16:rowId xmlns:a16="http://schemas.microsoft.com/office/drawing/2014/main" xmlns="" val="10005"/>
+                    <a16:rowId xmlns="" xmlns:a16="http://schemas.microsoft.com/office/drawing/2014/main" val="10005"/>
                   </a:ext>
                 </a:extLst>
               </a:tr>
@@ -14243,7 +14243,7 @@
                 </a:tc>
                 <a:extLst>
                   <a:ext uri="{0D108BD9-81ED-4DB2-BD59-A6C34878D82A}">
-                    <a16:rowId xmlns:a16="http://schemas.microsoft.com/office/drawing/2014/main" xmlns="" val="10006"/>
+                    <a16:rowId xmlns="" xmlns:a16="http://schemas.microsoft.com/office/drawing/2014/main" val="10006"/>
                   </a:ext>
                 </a:extLst>
               </a:tr>
@@ -14658,7 +14658,7 @@
                 </a:tc>
                 <a:extLst>
                   <a:ext uri="{0D108BD9-81ED-4DB2-BD59-A6C34878D82A}">
-                    <a16:rowId xmlns:a16="http://schemas.microsoft.com/office/drawing/2014/main" xmlns="" val="10007"/>
+                    <a16:rowId xmlns="" xmlns:a16="http://schemas.microsoft.com/office/drawing/2014/main" val="10007"/>
                   </a:ext>
                 </a:extLst>
               </a:tr>
@@ -15089,7 +15089,7 @@
                 </a:tc>
                 <a:extLst>
                   <a:ext uri="{0D108BD9-81ED-4DB2-BD59-A6C34878D82A}">
-                    <a16:rowId xmlns:a16="http://schemas.microsoft.com/office/drawing/2014/main" xmlns="" val="10008"/>
+                    <a16:rowId xmlns="" xmlns:a16="http://schemas.microsoft.com/office/drawing/2014/main" val="10008"/>
                   </a:ext>
                 </a:extLst>
               </a:tr>
@@ -15515,7 +15515,7 @@
                 </a:tc>
                 <a:extLst>
                   <a:ext uri="{0D108BD9-81ED-4DB2-BD59-A6C34878D82A}">
-                    <a16:rowId xmlns:a16="http://schemas.microsoft.com/office/drawing/2014/main" xmlns="" val="10009"/>
+                    <a16:rowId xmlns="" xmlns:a16="http://schemas.microsoft.com/office/drawing/2014/main" val="10009"/>
                   </a:ext>
                 </a:extLst>
               </a:tr>
@@ -15960,7 +15960,7 @@
                 </a:tc>
                 <a:extLst>
                   <a:ext uri="{0D108BD9-81ED-4DB2-BD59-A6C34878D82A}">
-                    <a16:rowId xmlns:a16="http://schemas.microsoft.com/office/drawing/2014/main" xmlns="" val="10010"/>
+                    <a16:rowId xmlns="" xmlns:a16="http://schemas.microsoft.com/office/drawing/2014/main" val="10010"/>
                   </a:ext>
                 </a:extLst>
               </a:tr>
@@ -16420,7 +16420,7 @@
                 </a:tc>
                 <a:extLst>
                   <a:ext uri="{0D108BD9-81ED-4DB2-BD59-A6C34878D82A}">
-                    <a16:rowId xmlns:a16="http://schemas.microsoft.com/office/drawing/2014/main" xmlns="" val="10011"/>
+                    <a16:rowId xmlns="" xmlns:a16="http://schemas.microsoft.com/office/drawing/2014/main" val="10011"/>
                   </a:ext>
                 </a:extLst>
               </a:tr>
@@ -16869,7 +16869,7 @@
                 </a:tc>
                 <a:extLst>
                   <a:ext uri="{0D108BD9-81ED-4DB2-BD59-A6C34878D82A}">
-                    <a16:rowId xmlns:a16="http://schemas.microsoft.com/office/drawing/2014/main" xmlns="" val="10012"/>
+                    <a16:rowId xmlns="" xmlns:a16="http://schemas.microsoft.com/office/drawing/2014/main" val="10012"/>
                   </a:ext>
                 </a:extLst>
               </a:tr>
@@ -17308,7 +17308,7 @@
                 </a:tc>
                 <a:extLst>
                   <a:ext uri="{0D108BD9-81ED-4DB2-BD59-A6C34878D82A}">
-                    <a16:rowId xmlns:a16="http://schemas.microsoft.com/office/drawing/2014/main" xmlns="" val="10013"/>
+                    <a16:rowId xmlns="" xmlns:a16="http://schemas.microsoft.com/office/drawing/2014/main" val="10013"/>
                   </a:ext>
                 </a:extLst>
               </a:tr>
@@ -17739,7 +17739,7 @@
                 </a:tc>
                 <a:extLst>
                   <a:ext uri="{0D108BD9-81ED-4DB2-BD59-A6C34878D82A}">
-                    <a16:rowId xmlns:a16="http://schemas.microsoft.com/office/drawing/2014/main" xmlns="" val="10014"/>
+                    <a16:rowId xmlns="" xmlns:a16="http://schemas.microsoft.com/office/drawing/2014/main" val="10014"/>
                   </a:ext>
                 </a:extLst>
               </a:tr>
@@ -18158,7 +18158,7 @@
                 </a:tc>
                 <a:extLst>
                   <a:ext uri="{0D108BD9-81ED-4DB2-BD59-A6C34878D82A}">
-                    <a16:rowId xmlns:a16="http://schemas.microsoft.com/office/drawing/2014/main" xmlns="" val="10015"/>
+                    <a16:rowId xmlns="" xmlns:a16="http://schemas.microsoft.com/office/drawing/2014/main" val="10015"/>
                   </a:ext>
                 </a:extLst>
               </a:tr>
@@ -18583,7 +18583,7 @@
                 </a:tc>
                 <a:extLst>
                   <a:ext uri="{0D108BD9-81ED-4DB2-BD59-A6C34878D82A}">
-                    <a16:rowId xmlns:a16="http://schemas.microsoft.com/office/drawing/2014/main" xmlns="" val="10016"/>
+                    <a16:rowId xmlns="" xmlns:a16="http://schemas.microsoft.com/office/drawing/2014/main" val="10016"/>
                   </a:ext>
                 </a:extLst>
               </a:tr>
@@ -19000,7 +19000,7 @@
                 </a:tc>
                 <a:extLst>
                   <a:ext uri="{0D108BD9-81ED-4DB2-BD59-A6C34878D82A}">
-                    <a16:rowId xmlns:a16="http://schemas.microsoft.com/office/drawing/2014/main" xmlns="" val="10017"/>
+                    <a16:rowId xmlns="" xmlns:a16="http://schemas.microsoft.com/office/drawing/2014/main" val="10017"/>
                   </a:ext>
                 </a:extLst>
               </a:tr>
@@ -19438,7 +19438,7 @@
                 </a:tc>
                 <a:extLst>
                   <a:ext uri="{0D108BD9-81ED-4DB2-BD59-A6C34878D82A}">
-                    <a16:rowId xmlns:a16="http://schemas.microsoft.com/office/drawing/2014/main" xmlns="" val="10018"/>
+                    <a16:rowId xmlns="" xmlns:a16="http://schemas.microsoft.com/office/drawing/2014/main" val="10018"/>
                   </a:ext>
                 </a:extLst>
               </a:tr>
@@ -19853,7 +19853,7 @@
                 </a:tc>
                 <a:extLst>
                   <a:ext uri="{0D108BD9-81ED-4DB2-BD59-A6C34878D82A}">
-                    <a16:rowId xmlns:a16="http://schemas.microsoft.com/office/drawing/2014/main" xmlns="" val="10019"/>
+                    <a16:rowId xmlns="" xmlns:a16="http://schemas.microsoft.com/office/drawing/2014/main" val="10019"/>
                   </a:ext>
                 </a:extLst>
               </a:tr>
@@ -20297,7 +20297,7 @@
                 </a:tc>
                 <a:extLst>
                   <a:ext uri="{0D108BD9-81ED-4DB2-BD59-A6C34878D82A}">
-                    <a16:rowId xmlns:a16="http://schemas.microsoft.com/office/drawing/2014/main" xmlns="" val="10020"/>
+                    <a16:rowId xmlns="" xmlns:a16="http://schemas.microsoft.com/office/drawing/2014/main" val="10020"/>
                   </a:ext>
                 </a:extLst>
               </a:tr>
@@ -20731,7 +20731,7 @@
                 </a:tc>
                 <a:extLst>
                   <a:ext uri="{0D108BD9-81ED-4DB2-BD59-A6C34878D82A}">
-                    <a16:rowId xmlns:a16="http://schemas.microsoft.com/office/drawing/2014/main" xmlns="" val="10021"/>
+                    <a16:rowId xmlns="" xmlns:a16="http://schemas.microsoft.com/office/drawing/2014/main" val="10021"/>
                   </a:ext>
                 </a:extLst>
               </a:tr>
@@ -21692,14 +21692,14 @@
                 <a:gridCol w="1428760">
                   <a:extLst>
                     <a:ext uri="{9D8B030D-6E8A-4147-A177-3AD203B41FA5}">
-                      <a16:colId xmlns:a16="http://schemas.microsoft.com/office/drawing/2014/main" xmlns="" val="20000"/>
+                      <a16:colId xmlns="" xmlns:a16="http://schemas.microsoft.com/office/drawing/2014/main" val="20000"/>
                     </a:ext>
                   </a:extLst>
                 </a:gridCol>
                 <a:gridCol w="5929354">
                   <a:extLst>
                     <a:ext uri="{9D8B030D-6E8A-4147-A177-3AD203B41FA5}">
-                      <a16:colId xmlns:a16="http://schemas.microsoft.com/office/drawing/2014/main" xmlns="" val="20001"/>
+                      <a16:colId xmlns="" xmlns:a16="http://schemas.microsoft.com/office/drawing/2014/main" val="20001"/>
                     </a:ext>
                   </a:extLst>
                 </a:gridCol>
@@ -21801,7 +21801,7 @@
                 </a:tc>
                 <a:extLst>
                   <a:ext uri="{0D108BD9-81ED-4DB2-BD59-A6C34878D82A}">
-                    <a16:rowId xmlns:a16="http://schemas.microsoft.com/office/drawing/2014/main" xmlns="" val="10000"/>
+                    <a16:rowId xmlns="" xmlns:a16="http://schemas.microsoft.com/office/drawing/2014/main" val="10000"/>
                   </a:ext>
                 </a:extLst>
               </a:tr>
@@ -22003,7 +22003,7 @@
                 </a:tc>
                 <a:extLst>
                   <a:ext uri="{0D108BD9-81ED-4DB2-BD59-A6C34878D82A}">
-                    <a16:rowId xmlns:a16="http://schemas.microsoft.com/office/drawing/2014/main" xmlns="" val="10001"/>
+                    <a16:rowId xmlns="" xmlns:a16="http://schemas.microsoft.com/office/drawing/2014/main" val="10001"/>
                   </a:ext>
                 </a:extLst>
               </a:tr>
@@ -22115,7 +22115,7 @@
                 </a:tc>
                 <a:extLst>
                   <a:ext uri="{0D108BD9-81ED-4DB2-BD59-A6C34878D82A}">
-                    <a16:rowId xmlns:a16="http://schemas.microsoft.com/office/drawing/2014/main" xmlns="" val="10002"/>
+                    <a16:rowId xmlns="" xmlns:a16="http://schemas.microsoft.com/office/drawing/2014/main" val="10002"/>
                   </a:ext>
                 </a:extLst>
               </a:tr>
@@ -22368,7 +22368,7 @@
                 </a:tc>
                 <a:extLst>
                   <a:ext uri="{0D108BD9-81ED-4DB2-BD59-A6C34878D82A}">
-                    <a16:rowId xmlns:a16="http://schemas.microsoft.com/office/drawing/2014/main" xmlns="" val="10003"/>
+                    <a16:rowId xmlns="" xmlns:a16="http://schemas.microsoft.com/office/drawing/2014/main" val="10003"/>
                   </a:ext>
                 </a:extLst>
               </a:tr>
@@ -22495,7 +22495,7 @@
                 </a:tc>
                 <a:extLst>
                   <a:ext uri="{0D108BD9-81ED-4DB2-BD59-A6C34878D82A}">
-                    <a16:rowId xmlns:a16="http://schemas.microsoft.com/office/drawing/2014/main" xmlns="" val="10004"/>
+                    <a16:rowId xmlns="" xmlns:a16="http://schemas.microsoft.com/office/drawing/2014/main" val="10004"/>
                   </a:ext>
                 </a:extLst>
               </a:tr>
@@ -22902,14 +22902,14 @@
                 <a:gridCol w="1680438">
                   <a:extLst>
                     <a:ext uri="{9D8B030D-6E8A-4147-A177-3AD203B41FA5}">
-                      <a16:colId xmlns:a16="http://schemas.microsoft.com/office/drawing/2014/main" xmlns="" val="20000"/>
+                      <a16:colId xmlns="" xmlns:a16="http://schemas.microsoft.com/office/drawing/2014/main" val="20000"/>
                     </a:ext>
                   </a:extLst>
                 </a:gridCol>
                 <a:gridCol w="6973820">
                   <a:extLst>
                     <a:ext uri="{9D8B030D-6E8A-4147-A177-3AD203B41FA5}">
-                      <a16:colId xmlns:a16="http://schemas.microsoft.com/office/drawing/2014/main" xmlns="" val="20001"/>
+                      <a16:colId xmlns="" xmlns:a16="http://schemas.microsoft.com/office/drawing/2014/main" val="20001"/>
                     </a:ext>
                   </a:extLst>
                 </a:gridCol>
@@ -23011,7 +23011,7 @@
                 </a:tc>
                 <a:extLst>
                   <a:ext uri="{0D108BD9-81ED-4DB2-BD59-A6C34878D82A}">
-                    <a16:rowId xmlns:a16="http://schemas.microsoft.com/office/drawing/2014/main" xmlns="" val="10000"/>
+                    <a16:rowId xmlns="" xmlns:a16="http://schemas.microsoft.com/office/drawing/2014/main" val="10000"/>
                   </a:ext>
                 </a:extLst>
               </a:tr>
@@ -23213,7 +23213,7 @@
                 </a:tc>
                 <a:extLst>
                   <a:ext uri="{0D108BD9-81ED-4DB2-BD59-A6C34878D82A}">
-                    <a16:rowId xmlns:a16="http://schemas.microsoft.com/office/drawing/2014/main" xmlns="" val="10001"/>
+                    <a16:rowId xmlns="" xmlns:a16="http://schemas.microsoft.com/office/drawing/2014/main" val="10001"/>
                   </a:ext>
                 </a:extLst>
               </a:tr>
@@ -23325,7 +23325,7 @@
                 </a:tc>
                 <a:extLst>
                   <a:ext uri="{0D108BD9-81ED-4DB2-BD59-A6C34878D82A}">
-                    <a16:rowId xmlns:a16="http://schemas.microsoft.com/office/drawing/2014/main" xmlns="" val="10002"/>
+                    <a16:rowId xmlns="" xmlns:a16="http://schemas.microsoft.com/office/drawing/2014/main" val="10002"/>
                   </a:ext>
                 </a:extLst>
               </a:tr>
@@ -23578,7 +23578,7 @@
                 </a:tc>
                 <a:extLst>
                   <a:ext uri="{0D108BD9-81ED-4DB2-BD59-A6C34878D82A}">
-                    <a16:rowId xmlns:a16="http://schemas.microsoft.com/office/drawing/2014/main" xmlns="" val="10003"/>
+                    <a16:rowId xmlns="" xmlns:a16="http://schemas.microsoft.com/office/drawing/2014/main" val="10003"/>
                   </a:ext>
                 </a:extLst>
               </a:tr>
@@ -23705,7 +23705,7 @@
                 </a:tc>
                 <a:extLst>
                   <a:ext uri="{0D108BD9-81ED-4DB2-BD59-A6C34878D82A}">
-                    <a16:rowId xmlns:a16="http://schemas.microsoft.com/office/drawing/2014/main" xmlns="" val="10004"/>
+                    <a16:rowId xmlns="" xmlns:a16="http://schemas.microsoft.com/office/drawing/2014/main" val="10004"/>
                   </a:ext>
                 </a:extLst>
               </a:tr>
@@ -23773,21 +23773,21 @@
                 <a:gridCol w="1143008">
                   <a:extLst>
                     <a:ext uri="{9D8B030D-6E8A-4147-A177-3AD203B41FA5}">
-                      <a16:colId xmlns:a16="http://schemas.microsoft.com/office/drawing/2014/main" xmlns="" val="20000"/>
+                      <a16:colId xmlns="" xmlns:a16="http://schemas.microsoft.com/office/drawing/2014/main" val="20000"/>
                     </a:ext>
                   </a:extLst>
                 </a:gridCol>
                 <a:gridCol w="1867666">
                   <a:extLst>
                     <a:ext uri="{9D8B030D-6E8A-4147-A177-3AD203B41FA5}">
-                      <a16:colId xmlns:a16="http://schemas.microsoft.com/office/drawing/2014/main" xmlns="" val="20001"/>
+                      <a16:colId xmlns="" xmlns:a16="http://schemas.microsoft.com/office/drawing/2014/main" val="20001"/>
                     </a:ext>
                   </a:extLst>
                 </a:gridCol>
                 <a:gridCol w="5347572">
                   <a:extLst>
                     <a:ext uri="{9D8B030D-6E8A-4147-A177-3AD203B41FA5}">
-                      <a16:colId xmlns:a16="http://schemas.microsoft.com/office/drawing/2014/main" xmlns="" val="20002"/>
+                      <a16:colId xmlns="" xmlns:a16="http://schemas.microsoft.com/office/drawing/2014/main" val="20002"/>
                     </a:ext>
                   </a:extLst>
                 </a:gridCol>
@@ -23945,7 +23945,7 @@
                 </a:tc>
                 <a:extLst>
                   <a:ext uri="{0D108BD9-81ED-4DB2-BD59-A6C34878D82A}">
-                    <a16:rowId xmlns:a16="http://schemas.microsoft.com/office/drawing/2014/main" xmlns="" val="10000"/>
+                    <a16:rowId xmlns="" xmlns:a16="http://schemas.microsoft.com/office/drawing/2014/main" val="10000"/>
                   </a:ext>
                 </a:extLst>
               </a:tr>
@@ -24123,7 +24123,7 @@
                 </a:tc>
                 <a:extLst>
                   <a:ext uri="{0D108BD9-81ED-4DB2-BD59-A6C34878D82A}">
-                    <a16:rowId xmlns:a16="http://schemas.microsoft.com/office/drawing/2014/main" xmlns="" val="10001"/>
+                    <a16:rowId xmlns="" xmlns:a16="http://schemas.microsoft.com/office/drawing/2014/main" val="10001"/>
                   </a:ext>
                 </a:extLst>
               </a:tr>
@@ -24352,7 +24352,7 @@
                 </a:tc>
                 <a:extLst>
                   <a:ext uri="{0D108BD9-81ED-4DB2-BD59-A6C34878D82A}">
-                    <a16:rowId xmlns:a16="http://schemas.microsoft.com/office/drawing/2014/main" xmlns="" val="10002"/>
+                    <a16:rowId xmlns="" xmlns:a16="http://schemas.microsoft.com/office/drawing/2014/main" val="10002"/>
                   </a:ext>
                 </a:extLst>
               </a:tr>
@@ -24651,7 +24651,7 @@
                 </a:tc>
                 <a:extLst>
                   <a:ext uri="{0D108BD9-81ED-4DB2-BD59-A6C34878D82A}">
-                    <a16:rowId xmlns:a16="http://schemas.microsoft.com/office/drawing/2014/main" xmlns="" val="10003"/>
+                    <a16:rowId xmlns="" xmlns:a16="http://schemas.microsoft.com/office/drawing/2014/main" val="10003"/>
                   </a:ext>
                 </a:extLst>
               </a:tr>
@@ -24997,7 +24997,7 @@
                 </a:tc>
                 <a:extLst>
                   <a:ext uri="{0D108BD9-81ED-4DB2-BD59-A6C34878D82A}">
-                    <a16:rowId xmlns:a16="http://schemas.microsoft.com/office/drawing/2014/main" xmlns="" val="10005"/>
+                    <a16:rowId xmlns="" xmlns:a16="http://schemas.microsoft.com/office/drawing/2014/main" val="10005"/>
                   </a:ext>
                 </a:extLst>
               </a:tr>
@@ -25297,7 +25297,7 @@
                 </a:tc>
                 <a:extLst>
                   <a:ext uri="{0D108BD9-81ED-4DB2-BD59-A6C34878D82A}">
-                    <a16:rowId xmlns:a16="http://schemas.microsoft.com/office/drawing/2014/main" xmlns="" val="10007"/>
+                    <a16:rowId xmlns="" xmlns:a16="http://schemas.microsoft.com/office/drawing/2014/main" val="10007"/>
                   </a:ext>
                 </a:extLst>
               </a:tr>
@@ -25571,7 +25571,7 @@
                 </a:tc>
                 <a:extLst>
                   <a:ext uri="{0D108BD9-81ED-4DB2-BD59-A6C34878D82A}">
-                    <a16:rowId xmlns:a16="http://schemas.microsoft.com/office/drawing/2014/main" xmlns="" val="10008"/>
+                    <a16:rowId xmlns="" xmlns:a16="http://schemas.microsoft.com/office/drawing/2014/main" val="10008"/>
                   </a:ext>
                 </a:extLst>
               </a:tr>
@@ -25761,7 +25761,7 @@
                 </a:tc>
                 <a:extLst>
                   <a:ext uri="{0D108BD9-81ED-4DB2-BD59-A6C34878D82A}">
-                    <a16:rowId xmlns:a16="http://schemas.microsoft.com/office/drawing/2014/main" xmlns="" val="10009"/>
+                    <a16:rowId xmlns="" xmlns:a16="http://schemas.microsoft.com/office/drawing/2014/main" val="10009"/>
                   </a:ext>
                 </a:extLst>
               </a:tr>
@@ -32168,42 +32168,42 @@
                 <a:gridCol w="1585232">
                   <a:extLst>
                     <a:ext uri="{9D8B030D-6E8A-4147-A177-3AD203B41FA5}">
-                      <a16:colId xmlns:a16="http://schemas.microsoft.com/office/drawing/2014/main" xmlns="" val="20000"/>
+                      <a16:colId xmlns="" xmlns:a16="http://schemas.microsoft.com/office/drawing/2014/main" val="20000"/>
                     </a:ext>
                   </a:extLst>
                 </a:gridCol>
                 <a:gridCol w="1585232">
                   <a:extLst>
                     <a:ext uri="{9D8B030D-6E8A-4147-A177-3AD203B41FA5}">
-                      <a16:colId xmlns:a16="http://schemas.microsoft.com/office/drawing/2014/main" xmlns="" val="20001"/>
+                      <a16:colId xmlns="" xmlns:a16="http://schemas.microsoft.com/office/drawing/2014/main" val="20001"/>
                     </a:ext>
                   </a:extLst>
                 </a:gridCol>
                 <a:gridCol w="4330526">
                   <a:extLst>
                     <a:ext uri="{9D8B030D-6E8A-4147-A177-3AD203B41FA5}">
-                      <a16:colId xmlns:a16="http://schemas.microsoft.com/office/drawing/2014/main" xmlns="" val="20002"/>
+                      <a16:colId xmlns="" xmlns:a16="http://schemas.microsoft.com/office/drawing/2014/main" val="20002"/>
                     </a:ext>
                   </a:extLst>
                 </a:gridCol>
                 <a:gridCol w="571504">
                   <a:extLst>
                     <a:ext uri="{9D8B030D-6E8A-4147-A177-3AD203B41FA5}">
-                      <a16:colId xmlns:a16="http://schemas.microsoft.com/office/drawing/2014/main" xmlns="" val="20003"/>
+                      <a16:colId xmlns="" xmlns:a16="http://schemas.microsoft.com/office/drawing/2014/main" val="20003"/>
                     </a:ext>
                   </a:extLst>
                 </a:gridCol>
                 <a:gridCol w="574350">
                   <a:extLst>
                     <a:ext uri="{9D8B030D-6E8A-4147-A177-3AD203B41FA5}">
-                      <a16:colId xmlns:a16="http://schemas.microsoft.com/office/drawing/2014/main" xmlns="" val="20004"/>
+                      <a16:colId xmlns="" xmlns:a16="http://schemas.microsoft.com/office/drawing/2014/main" val="20004"/>
                     </a:ext>
                   </a:extLst>
                 </a:gridCol>
                 <a:gridCol w="640096">
                   <a:extLst>
                     <a:ext uri="{9D8B030D-6E8A-4147-A177-3AD203B41FA5}">
-                      <a16:colId xmlns:a16="http://schemas.microsoft.com/office/drawing/2014/main" xmlns="" val="20005"/>
+                      <a16:colId xmlns="" xmlns:a16="http://schemas.microsoft.com/office/drawing/2014/main" val="20005"/>
                     </a:ext>
                   </a:extLst>
                 </a:gridCol>
@@ -32547,7 +32547,7 @@
                 </a:tc>
                 <a:extLst>
                   <a:ext uri="{0D108BD9-81ED-4DB2-BD59-A6C34878D82A}">
-                    <a16:rowId xmlns:a16="http://schemas.microsoft.com/office/drawing/2014/main" xmlns="" val="10000"/>
+                    <a16:rowId xmlns="" xmlns:a16="http://schemas.microsoft.com/office/drawing/2014/main" val="10000"/>
                   </a:ext>
                 </a:extLst>
               </a:tr>
@@ -32896,7 +32896,7 @@
                 </a:tc>
                 <a:extLst>
                   <a:ext uri="{0D108BD9-81ED-4DB2-BD59-A6C34878D82A}">
-                    <a16:rowId xmlns:a16="http://schemas.microsoft.com/office/drawing/2014/main" xmlns="" val="10001"/>
+                    <a16:rowId xmlns="" xmlns:a16="http://schemas.microsoft.com/office/drawing/2014/main" val="10001"/>
                   </a:ext>
                 </a:extLst>
               </a:tr>
@@ -33220,7 +33220,7 @@
                 </a:tc>
                 <a:extLst>
                   <a:ext uri="{0D108BD9-81ED-4DB2-BD59-A6C34878D82A}">
-                    <a16:rowId xmlns:a16="http://schemas.microsoft.com/office/drawing/2014/main" xmlns="" val="10002"/>
+                    <a16:rowId xmlns="" xmlns:a16="http://schemas.microsoft.com/office/drawing/2014/main" val="10002"/>
                   </a:ext>
                 </a:extLst>
               </a:tr>
@@ -33517,7 +33517,7 @@
                 </a:tc>
                 <a:extLst>
                   <a:ext uri="{0D108BD9-81ED-4DB2-BD59-A6C34878D82A}">
-                    <a16:rowId xmlns:a16="http://schemas.microsoft.com/office/drawing/2014/main" xmlns="" val="10003"/>
+                    <a16:rowId xmlns="" xmlns:a16="http://schemas.microsoft.com/office/drawing/2014/main" val="10003"/>
                   </a:ext>
                 </a:extLst>
               </a:tr>
@@ -33814,7 +33814,7 @@
                 </a:tc>
                 <a:extLst>
                   <a:ext uri="{0D108BD9-81ED-4DB2-BD59-A6C34878D82A}">
-                    <a16:rowId xmlns:a16="http://schemas.microsoft.com/office/drawing/2014/main" xmlns="" val="10004"/>
+                    <a16:rowId xmlns="" xmlns:a16="http://schemas.microsoft.com/office/drawing/2014/main" val="10004"/>
                   </a:ext>
                 </a:extLst>
               </a:tr>
@@ -34170,7 +34170,7 @@
                 </a:tc>
                 <a:extLst>
                   <a:ext uri="{0D108BD9-81ED-4DB2-BD59-A6C34878D82A}">
-                    <a16:rowId xmlns:a16="http://schemas.microsoft.com/office/drawing/2014/main" xmlns="" val="10005"/>
+                    <a16:rowId xmlns="" xmlns:a16="http://schemas.microsoft.com/office/drawing/2014/main" val="10005"/>
                   </a:ext>
                 </a:extLst>
               </a:tr>
@@ -34550,7 +34550,7 @@
                 </a:tc>
                 <a:extLst>
                   <a:ext uri="{0D108BD9-81ED-4DB2-BD59-A6C34878D82A}">
-                    <a16:rowId xmlns:a16="http://schemas.microsoft.com/office/drawing/2014/main" xmlns="" val="10007"/>
+                    <a16:rowId xmlns="" xmlns:a16="http://schemas.microsoft.com/office/drawing/2014/main" val="10007"/>
                   </a:ext>
                 </a:extLst>
               </a:tr>
@@ -34847,7 +34847,7 @@
                 </a:tc>
                 <a:extLst>
                   <a:ext uri="{0D108BD9-81ED-4DB2-BD59-A6C34878D82A}">
-                    <a16:rowId xmlns:a16="http://schemas.microsoft.com/office/drawing/2014/main" xmlns="" val="10008"/>
+                    <a16:rowId xmlns="" xmlns:a16="http://schemas.microsoft.com/office/drawing/2014/main" val="10008"/>
                   </a:ext>
                 </a:extLst>
               </a:tr>
@@ -35138,7 +35138,7 @@
                 </a:tc>
                 <a:extLst>
                   <a:ext uri="{0D108BD9-81ED-4DB2-BD59-A6C34878D82A}">
-                    <a16:rowId xmlns:a16="http://schemas.microsoft.com/office/drawing/2014/main" xmlns="" val="10009"/>
+                    <a16:rowId xmlns="" xmlns:a16="http://schemas.microsoft.com/office/drawing/2014/main" val="10009"/>
                   </a:ext>
                 </a:extLst>
               </a:tr>
@@ -35454,7 +35454,7 @@
                 </a:tc>
                 <a:extLst>
                   <a:ext uri="{0D108BD9-81ED-4DB2-BD59-A6C34878D82A}">
-                    <a16:rowId xmlns:a16="http://schemas.microsoft.com/office/drawing/2014/main" xmlns="" val="10010"/>
+                    <a16:rowId xmlns="" xmlns:a16="http://schemas.microsoft.com/office/drawing/2014/main" val="10010"/>
                   </a:ext>
                 </a:extLst>
               </a:tr>
@@ -36404,9 +36404,6 @@
                         </a:rPr>
                         <a:t>결재현황</a:t>
                       </a:r>
-                      <a:endParaRPr lang="ko-KR" altLang="en-US" sz="900" dirty="0" smtClean="0">
-                        <a:latin typeface="+mn-lt"/>
-                      </a:endParaRPr>
                     </a:p>
                   </a:txBody>
                   <a:tcPr anchor="ctr">
@@ -36676,7 +36673,7 @@
                 </a:tc>
                 <a:extLst>
                   <a:ext uri="{0D108BD9-81ED-4DB2-BD59-A6C34878D82A}">
-                    <a16:rowId xmlns:a16="http://schemas.microsoft.com/office/drawing/2014/main" xmlns="" val="10014"/>
+                    <a16:rowId xmlns="" xmlns:a16="http://schemas.microsoft.com/office/drawing/2014/main" val="10014"/>
                   </a:ext>
                 </a:extLst>
               </a:tr>
@@ -36986,7 +36983,7 @@
                 </a:tc>
                 <a:extLst>
                   <a:ext uri="{0D108BD9-81ED-4DB2-BD59-A6C34878D82A}">
-                    <a16:rowId xmlns:a16="http://schemas.microsoft.com/office/drawing/2014/main" xmlns="" val="10015"/>
+                    <a16:rowId xmlns="" xmlns:a16="http://schemas.microsoft.com/office/drawing/2014/main" val="10015"/>
                   </a:ext>
                 </a:extLst>
               </a:tr>
@@ -37346,7 +37343,7 @@
                 </a:tc>
                 <a:extLst>
                   <a:ext uri="{0D108BD9-81ED-4DB2-BD59-A6C34878D82A}">
-                    <a16:rowId xmlns:a16="http://schemas.microsoft.com/office/drawing/2014/main" xmlns="" val="10016"/>
+                    <a16:rowId xmlns="" xmlns:a16="http://schemas.microsoft.com/office/drawing/2014/main" val="10016"/>
                   </a:ext>
                 </a:extLst>
               </a:tr>
@@ -37626,7 +37623,7 @@
                 </a:tc>
                 <a:extLst>
                   <a:ext uri="{0D108BD9-81ED-4DB2-BD59-A6C34878D82A}">
-                    <a16:rowId xmlns:a16="http://schemas.microsoft.com/office/drawing/2014/main" xmlns="" val="10017"/>
+                    <a16:rowId xmlns="" xmlns:a16="http://schemas.microsoft.com/office/drawing/2014/main" val="10017"/>
                   </a:ext>
                 </a:extLst>
               </a:tr>
@@ -37734,7 +37731,7 @@
           <p:nvPr>
             <p:extLst>
               <p:ext uri="{D42A27DB-BD31-4B8C-83A1-F6EECF244321}">
-                <p14:modId xmlns:p14="http://schemas.microsoft.com/office/powerpoint/2010/main" val="2173535367"/>
+                <p14:modId xmlns:p14="http://schemas.microsoft.com/office/powerpoint/2010/main" val="59890399"/>
               </p:ext>
             </p:extLst>
           </p:nvPr>
@@ -37753,35 +37750,35 @@
                 <a:gridCol w="1143008">
                   <a:extLst>
                     <a:ext uri="{9D8B030D-6E8A-4147-A177-3AD203B41FA5}">
-                      <a16:colId xmlns:a16="http://schemas.microsoft.com/office/drawing/2014/main" xmlns="" val="20000"/>
+                      <a16:colId xmlns="" xmlns:a16="http://schemas.microsoft.com/office/drawing/2014/main" val="20000"/>
                     </a:ext>
                   </a:extLst>
                 </a:gridCol>
                 <a:gridCol w="4143404">
                   <a:extLst>
                     <a:ext uri="{9D8B030D-6E8A-4147-A177-3AD203B41FA5}">
-                      <a16:colId xmlns:a16="http://schemas.microsoft.com/office/drawing/2014/main" xmlns="" val="20001"/>
+                      <a16:colId xmlns="" xmlns:a16="http://schemas.microsoft.com/office/drawing/2014/main" val="20001"/>
                     </a:ext>
                   </a:extLst>
                 </a:gridCol>
                 <a:gridCol w="1285884">
                   <a:extLst>
                     <a:ext uri="{9D8B030D-6E8A-4147-A177-3AD203B41FA5}">
-                      <a16:colId xmlns:a16="http://schemas.microsoft.com/office/drawing/2014/main" xmlns="" val="20002"/>
+                      <a16:colId xmlns="" xmlns:a16="http://schemas.microsoft.com/office/drawing/2014/main" val="20002"/>
                     </a:ext>
                   </a:extLst>
                 </a:gridCol>
                 <a:gridCol w="1643074">
                   <a:extLst>
                     <a:ext uri="{9D8B030D-6E8A-4147-A177-3AD203B41FA5}">
-                      <a16:colId xmlns:a16="http://schemas.microsoft.com/office/drawing/2014/main" xmlns="" val="20003"/>
+                      <a16:colId xmlns="" xmlns:a16="http://schemas.microsoft.com/office/drawing/2014/main" val="20003"/>
                     </a:ext>
                   </a:extLst>
                 </a:gridCol>
                 <a:gridCol w="997999">
                   <a:extLst>
                     <a:ext uri="{9D8B030D-6E8A-4147-A177-3AD203B41FA5}">
-                      <a16:colId xmlns:a16="http://schemas.microsoft.com/office/drawing/2014/main" xmlns="" val="20004"/>
+                      <a16:colId xmlns="" xmlns:a16="http://schemas.microsoft.com/office/drawing/2014/main" val="20004"/>
                     </a:ext>
                   </a:extLst>
                 </a:gridCol>
@@ -38069,7 +38066,7 @@
                 </a:tc>
                 <a:extLst>
                   <a:ext uri="{0D108BD9-81ED-4DB2-BD59-A6C34878D82A}">
-                    <a16:rowId xmlns:a16="http://schemas.microsoft.com/office/drawing/2014/main" xmlns="" val="10000"/>
+                    <a16:rowId xmlns="" xmlns:a16="http://schemas.microsoft.com/office/drawing/2014/main" val="10000"/>
                   </a:ext>
                 </a:extLst>
               </a:tr>
@@ -38505,7 +38502,7 @@
                 </a:tc>
                 <a:extLst>
                   <a:ext uri="{0D108BD9-81ED-4DB2-BD59-A6C34878D82A}">
-                    <a16:rowId xmlns:a16="http://schemas.microsoft.com/office/drawing/2014/main" xmlns="" val="10001"/>
+                    <a16:rowId xmlns="" xmlns:a16="http://schemas.microsoft.com/office/drawing/2014/main" val="10001"/>
                   </a:ext>
                 </a:extLst>
               </a:tr>
@@ -38784,7 +38781,24 @@
                           <a:latin typeface="+mn-ea"/>
                           <a:ea typeface="+mn-ea"/>
                         </a:rPr>
-                        <a:t>보고서</a:t>
+                        <a:t>이슈관리</a:t>
+                      </a:r>
+                      <a:endParaRPr lang="en-US" altLang="ko-KR" sz="1200" u="none" dirty="0" smtClean="0">
+                        <a:latin typeface="+mn-ea"/>
+                        <a:ea typeface="+mn-ea"/>
+                      </a:endParaRPr>
+                    </a:p>
+                    <a:p>
+                      <a:pPr algn="ctr" latinLnBrk="1">
+                        <a:buFontTx/>
+                        <a:buNone/>
+                      </a:pPr>
+                      <a:r>
+                        <a:rPr lang="ko-KR" altLang="en-US" sz="1200" u="none" dirty="0" smtClean="0">
+                          <a:latin typeface="+mn-ea"/>
+                          <a:ea typeface="+mn-ea"/>
+                        </a:rPr>
+                        <a:t>대장</a:t>
                       </a:r>
                       <a:endParaRPr lang="en-US" altLang="ko-KR" sz="1200" u="none" dirty="0" smtClean="0">
                         <a:latin typeface="+mn-ea"/>
@@ -38834,7 +38848,7 @@
                 </a:tc>
                 <a:extLst>
                   <a:ext uri="{0D108BD9-81ED-4DB2-BD59-A6C34878D82A}">
-                    <a16:rowId xmlns:a16="http://schemas.microsoft.com/office/drawing/2014/main" xmlns="" val="10002"/>
+                    <a16:rowId xmlns="" xmlns:a16="http://schemas.microsoft.com/office/drawing/2014/main" val="10002"/>
                   </a:ext>
                 </a:extLst>
               </a:tr>
@@ -39215,7 +39229,7 @@
                 </a:tc>
                 <a:extLst>
                   <a:ext uri="{0D108BD9-81ED-4DB2-BD59-A6C34878D82A}">
-                    <a16:rowId xmlns:a16="http://schemas.microsoft.com/office/drawing/2014/main" xmlns="" val="10004"/>
+                    <a16:rowId xmlns="" xmlns:a16="http://schemas.microsoft.com/office/drawing/2014/main" val="10004"/>
                   </a:ext>
                 </a:extLst>
               </a:tr>
@@ -39587,7 +39601,7 @@
                 </a:tc>
                 <a:extLst>
                   <a:ext uri="{0D108BD9-81ED-4DB2-BD59-A6C34878D82A}">
-                    <a16:rowId xmlns:a16="http://schemas.microsoft.com/office/drawing/2014/main" xmlns="" val="10005"/>
+                    <a16:rowId xmlns="" xmlns:a16="http://schemas.microsoft.com/office/drawing/2014/main" val="10005"/>
                   </a:ext>
                 </a:extLst>
               </a:tr>
